--- a/basic/docs/AutomationRecipes Bot Orchestration with IBM RPA and PAM.pptx
+++ b/basic/docs/AutomationRecipes Bot Orchestration with IBM RPA and PAM.pptx
@@ -5,7 +5,7 @@
     <p:sldMasterId id="2147483648" r:id="rId1"/>
   </p:sldMasterIdLst>
   <p:notesMasterIdLst>
-    <p:notesMasterId r:id="rId10"/>
+    <p:notesMasterId r:id="rId11"/>
   </p:notesMasterIdLst>
   <p:sldIdLst>
     <p:sldId id="256" r:id="rId2"/>
@@ -16,6 +16,7 @@
     <p:sldId id="260" r:id="rId7"/>
     <p:sldId id="261" r:id="rId8"/>
     <p:sldId id="262" r:id="rId9"/>
+    <p:sldId id="266" r:id="rId10"/>
   </p:sldIdLst>
   <p:sldSz cx="12192000" cy="6858000"/>
   <p:notesSz cx="6858000" cy="9144000"/>
@@ -204,7 +205,7 @@
           <a:p>
             <a:fld id="{E692155B-7F18-498C-9BFA-FBEF28EA456D}" type="datetimeFigureOut">
               <a:rPr lang="en-CA" smtClean="0"/>
-              <a:t>2022-10-03</a:t>
+              <a:t>2022-10-11</a:t>
             </a:fld>
             <a:endParaRPr lang="en-CA"/>
           </a:p>
@@ -621,7 +622,7 @@
           <a:p>
             <a:fld id="{BEA4FACC-574A-41DD-ACBD-E66D657D283B}" type="datetimeFigureOut">
               <a:rPr lang="en-CA" smtClean="0"/>
-              <a:t>2022-10-03</a:t>
+              <a:t>2022-10-11</a:t>
             </a:fld>
             <a:endParaRPr lang="en-CA"/>
           </a:p>
@@ -821,7 +822,7 @@
           <a:p>
             <a:fld id="{BEA4FACC-574A-41DD-ACBD-E66D657D283B}" type="datetimeFigureOut">
               <a:rPr lang="en-CA" smtClean="0"/>
-              <a:t>2022-10-03</a:t>
+              <a:t>2022-10-11</a:t>
             </a:fld>
             <a:endParaRPr lang="en-CA"/>
           </a:p>
@@ -1031,7 +1032,7 @@
           <a:p>
             <a:fld id="{BEA4FACC-574A-41DD-ACBD-E66D657D283B}" type="datetimeFigureOut">
               <a:rPr lang="en-CA" smtClean="0"/>
-              <a:t>2022-10-03</a:t>
+              <a:t>2022-10-11</a:t>
             </a:fld>
             <a:endParaRPr lang="en-CA"/>
           </a:p>
@@ -1231,7 +1232,7 @@
           <a:p>
             <a:fld id="{BEA4FACC-574A-41DD-ACBD-E66D657D283B}" type="datetimeFigureOut">
               <a:rPr lang="en-CA" smtClean="0"/>
-              <a:t>2022-10-03</a:t>
+              <a:t>2022-10-11</a:t>
             </a:fld>
             <a:endParaRPr lang="en-CA"/>
           </a:p>
@@ -1507,7 +1508,7 @@
           <a:p>
             <a:fld id="{BEA4FACC-574A-41DD-ACBD-E66D657D283B}" type="datetimeFigureOut">
               <a:rPr lang="en-CA" smtClean="0"/>
-              <a:t>2022-10-03</a:t>
+              <a:t>2022-10-11</a:t>
             </a:fld>
             <a:endParaRPr lang="en-CA"/>
           </a:p>
@@ -1775,7 +1776,7 @@
           <a:p>
             <a:fld id="{BEA4FACC-574A-41DD-ACBD-E66D657D283B}" type="datetimeFigureOut">
               <a:rPr lang="en-CA" smtClean="0"/>
-              <a:t>2022-10-03</a:t>
+              <a:t>2022-10-11</a:t>
             </a:fld>
             <a:endParaRPr lang="en-CA"/>
           </a:p>
@@ -2190,7 +2191,7 @@
           <a:p>
             <a:fld id="{BEA4FACC-574A-41DD-ACBD-E66D657D283B}" type="datetimeFigureOut">
               <a:rPr lang="en-CA" smtClean="0"/>
-              <a:t>2022-10-03</a:t>
+              <a:t>2022-10-11</a:t>
             </a:fld>
             <a:endParaRPr lang="en-CA"/>
           </a:p>
@@ -2332,7 +2333,7 @@
           <a:p>
             <a:fld id="{BEA4FACC-574A-41DD-ACBD-E66D657D283B}" type="datetimeFigureOut">
               <a:rPr lang="en-CA" smtClean="0"/>
-              <a:t>2022-10-03</a:t>
+              <a:t>2022-10-11</a:t>
             </a:fld>
             <a:endParaRPr lang="en-CA"/>
           </a:p>
@@ -2445,7 +2446,7 @@
           <a:p>
             <a:fld id="{BEA4FACC-574A-41DD-ACBD-E66D657D283B}" type="datetimeFigureOut">
               <a:rPr lang="en-CA" smtClean="0"/>
-              <a:t>2022-10-03</a:t>
+              <a:t>2022-10-11</a:t>
             </a:fld>
             <a:endParaRPr lang="en-CA"/>
           </a:p>
@@ -2758,7 +2759,7 @@
           <a:p>
             <a:fld id="{BEA4FACC-574A-41DD-ACBD-E66D657D283B}" type="datetimeFigureOut">
               <a:rPr lang="en-CA" smtClean="0"/>
-              <a:t>2022-10-03</a:t>
+              <a:t>2022-10-11</a:t>
             </a:fld>
             <a:endParaRPr lang="en-CA"/>
           </a:p>
@@ -3047,7 +3048,7 @@
           <a:p>
             <a:fld id="{BEA4FACC-574A-41DD-ACBD-E66D657D283B}" type="datetimeFigureOut">
               <a:rPr lang="en-CA" smtClean="0"/>
-              <a:t>2022-10-03</a:t>
+              <a:t>2022-10-11</a:t>
             </a:fld>
             <a:endParaRPr lang="en-CA"/>
           </a:p>
@@ -3290,7 +3291,7 @@
           <a:p>
             <a:fld id="{BEA4FACC-574A-41DD-ACBD-E66D657D283B}" type="datetimeFigureOut">
               <a:rPr lang="en-CA" smtClean="0"/>
-              <a:t>2022-10-03</a:t>
+              <a:t>2022-10-11</a:t>
             </a:fld>
             <a:endParaRPr lang="en-CA"/>
           </a:p>
@@ -4123,81 +4124,24 @@
           </a:bodyPr>
           <a:lstStyle/>
           <a:p>
-            <a:pPr marL="0" indent="0">
-              <a:buNone/>
-            </a:pPr>
-            <a:r>
-              <a:rPr lang="en-GB" sz="1100" dirty="0"/>
-              <a:t>Problem:</a:t>
-            </a:r>
-          </a:p>
-          <a:p>
             <a:pPr lvl="1"/>
             <a:r>
-              <a:rPr lang="en-GB" sz="1100" dirty="0"/>
+              <a:rPr lang="en-GB" dirty="0"/>
               <a:t>A travel agency is breaching guidelines by allowing bookings to dangerous countries</a:t>
             </a:r>
           </a:p>
           <a:p>
             <a:pPr lvl="1"/>
             <a:r>
-              <a:rPr lang="en-GB" sz="1100" dirty="0"/>
+              <a:rPr lang="en-GB" dirty="0"/>
               <a:t>The agency will be fined unless fixed</a:t>
             </a:r>
-          </a:p>
-          <a:p>
-            <a:pPr lvl="1"/>
-            <a:endParaRPr lang="en-GB" sz="1100" dirty="0"/>
-          </a:p>
-          <a:p>
-            <a:pPr marL="0" indent="0">
-              <a:buNone/>
-            </a:pPr>
-            <a:r>
-              <a:rPr lang="en-GB" sz="1100" dirty="0"/>
-              <a:t>Solution:</a:t>
-            </a:r>
-          </a:p>
-          <a:p>
-            <a:pPr lvl="1"/>
-            <a:r>
-              <a:rPr lang="en-GB" sz="1100" dirty="0"/>
-              <a:t>A bot is written to scrape data from the US Travel site.</a:t>
-            </a:r>
-          </a:p>
-          <a:p>
-            <a:pPr lvl="1"/>
-            <a:r>
-              <a:rPr lang="en-GB" sz="1100" dirty="0"/>
-              <a:t>The bot is exposed via a secure API</a:t>
-            </a:r>
-          </a:p>
-          <a:p>
-            <a:pPr lvl="1"/>
-            <a:r>
-              <a:rPr lang="en-GB" sz="1100" dirty="0"/>
-              <a:t>An BPMN task is created to call the bot and added to the existing flow</a:t>
-            </a:r>
-          </a:p>
-          <a:p>
-            <a:pPr lvl="1"/>
-            <a:r>
-              <a:rPr lang="en-GB" sz="1100" dirty="0"/>
-              <a:t>The flow blocks travel if the bot returns a banned destination</a:t>
-            </a:r>
-          </a:p>
-          <a:p>
-            <a:pPr lvl="1"/>
-            <a:endParaRPr lang="en-GB" sz="1100" dirty="0"/>
           </a:p>
           <a:p>
             <a:pPr marL="457200" lvl="1" indent="0">
               <a:buNone/>
             </a:pPr>
-            <a:r>
-              <a:rPr lang="en-GB" sz="1100" dirty="0"/>
-              <a:t>The problem is solved quickly and cost effectively using IBM RPA!</a:t>
-            </a:r>
+            <a:endParaRPr lang="en-GB" sz="1100" dirty="0"/>
           </a:p>
         </p:txBody>
       </p:sp>
@@ -4575,47 +4519,47 @@
         </p:spPr>
         <p:txBody>
           <a:bodyPr>
-            <a:normAutofit/>
+            <a:normAutofit fontScale="92500" lnSpcReduction="10000"/>
           </a:bodyPr>
           <a:lstStyle/>
           <a:p>
             <a:pPr lvl="1"/>
             <a:r>
-              <a:rPr lang="en-GB" sz="1100" dirty="0"/>
+              <a:rPr lang="en-GB" sz="1800" dirty="0"/>
               <a:t>A bot is written to scrape data from the US Travel site.</a:t>
             </a:r>
           </a:p>
           <a:p>
             <a:pPr lvl="1"/>
             <a:r>
-              <a:rPr lang="en-GB" sz="1100" dirty="0"/>
+              <a:rPr lang="en-GB" sz="1800" dirty="0"/>
               <a:t>The bot is exposed via a secure API</a:t>
             </a:r>
           </a:p>
           <a:p>
             <a:pPr lvl="1"/>
             <a:r>
-              <a:rPr lang="en-GB" sz="1100" dirty="0"/>
+              <a:rPr lang="en-GB" sz="1800" dirty="0"/>
               <a:t>An BPMN task is created to call the bot and added to the existing flow</a:t>
             </a:r>
           </a:p>
           <a:p>
             <a:pPr lvl="1"/>
             <a:r>
-              <a:rPr lang="en-GB" sz="1100" dirty="0"/>
+              <a:rPr lang="en-GB" sz="1800" dirty="0"/>
               <a:t>The flow blocks travel if the bot returns a banned destination</a:t>
             </a:r>
           </a:p>
           <a:p>
             <a:pPr lvl="1"/>
-            <a:endParaRPr lang="en-GB" sz="1100" dirty="0"/>
+            <a:endParaRPr lang="en-GB" sz="1800" dirty="0"/>
           </a:p>
           <a:p>
             <a:pPr marL="457200" lvl="1" indent="0">
               <a:buNone/>
             </a:pPr>
             <a:r>
-              <a:rPr lang="en-GB" sz="1100" dirty="0"/>
+              <a:rPr lang="en-GB" sz="1800" dirty="0"/>
               <a:t>The problem is solved quickly and cost effectively using IBM RPA!</a:t>
             </a:r>
           </a:p>
@@ -7154,6 +7098,106 @@
     <p:extLst>
       <p:ext uri="{BB962C8B-B14F-4D97-AF65-F5344CB8AC3E}">
         <p14:creationId xmlns:p14="http://schemas.microsoft.com/office/powerpoint/2010/main" val="592869809"/>
+      </p:ext>
+    </p:extLst>
+  </p:cSld>
+  <p:clrMapOvr>
+    <a:masterClrMapping/>
+  </p:clrMapOvr>
+</p:sld>
+</file>
+
+<file path=ppt/slides/slide9.xml><?xml version="1.0" encoding="utf-8"?>
+<p:sld xmlns:a="http://schemas.openxmlformats.org/drawingml/2006/main" xmlns:r="http://schemas.openxmlformats.org/officeDocument/2006/relationships" xmlns:p="http://schemas.openxmlformats.org/presentationml/2006/main">
+  <p:cSld>
+    <p:spTree>
+      <p:nvGrpSpPr>
+        <p:cNvPr id="1" name=""/>
+        <p:cNvGrpSpPr/>
+        <p:nvPr/>
+      </p:nvGrpSpPr>
+      <p:grpSpPr>
+        <a:xfrm>
+          <a:off x="0" y="0"/>
+          <a:ext cx="0" cy="0"/>
+          <a:chOff x="0" y="0"/>
+          <a:chExt cx="0" cy="0"/>
+        </a:xfrm>
+      </p:grpSpPr>
+      <p:sp>
+        <p:nvSpPr>
+          <p:cNvPr id="2" name="Title 1">
+            <a:extLst>
+              <a:ext uri="{FF2B5EF4-FFF2-40B4-BE49-F238E27FC236}">
+                <a16:creationId xmlns:a16="http://schemas.microsoft.com/office/drawing/2014/main" id="{D93A82B0-3C90-48D6-AE6B-EB756DBAB3AE}"/>
+              </a:ext>
+            </a:extLst>
+          </p:cNvPr>
+          <p:cNvSpPr>
+            <a:spLocks noGrp="1"/>
+          </p:cNvSpPr>
+          <p:nvPr>
+            <p:ph type="title"/>
+          </p:nvPr>
+        </p:nvSpPr>
+        <p:spPr>
+          <a:xfrm>
+            <a:off x="364787" y="-91694"/>
+            <a:ext cx="11721829" cy="1325563"/>
+          </a:xfrm>
+        </p:spPr>
+        <p:txBody>
+          <a:bodyPr/>
+          <a:lstStyle/>
+          <a:p>
+            <a:r>
+              <a:rPr lang="en-GB" dirty="0"/>
+              <a:t>Result – Booking to Banned Country Prevented</a:t>
+            </a:r>
+          </a:p>
+        </p:txBody>
+      </p:sp>
+      <p:pic>
+        <p:nvPicPr>
+          <p:cNvPr id="5" name="Content Placeholder 4">
+            <a:extLst>
+              <a:ext uri="{FF2B5EF4-FFF2-40B4-BE49-F238E27FC236}">
+                <a16:creationId xmlns:a16="http://schemas.microsoft.com/office/drawing/2014/main" id="{A93217C7-F2DC-4B0E-ABCB-2E9C9D094EAE}"/>
+              </a:ext>
+            </a:extLst>
+          </p:cNvPr>
+          <p:cNvPicPr>
+            <a:picLocks noGrp="1" noChangeAspect="1"/>
+          </p:cNvPicPr>
+          <p:nvPr>
+            <p:ph idx="1"/>
+          </p:nvPr>
+        </p:nvPicPr>
+        <p:blipFill>
+          <a:blip r:embed="rId2"/>
+          <a:stretch>
+            <a:fillRect/>
+          </a:stretch>
+        </p:blipFill>
+        <p:spPr>
+          <a:xfrm>
+            <a:off x="661481" y="1087954"/>
+            <a:ext cx="10719880" cy="5624131"/>
+          </a:xfrm>
+          <a:effectLst>
+            <a:glow rad="228600">
+              <a:schemeClr val="accent5">
+                <a:satMod val="175000"/>
+                <a:alpha val="40000"/>
+              </a:schemeClr>
+            </a:glow>
+          </a:effectLst>
+        </p:spPr>
+      </p:pic>
+    </p:spTree>
+    <p:extLst>
+      <p:ext uri="{BB962C8B-B14F-4D97-AF65-F5344CB8AC3E}">
+        <p14:creationId xmlns:p14="http://schemas.microsoft.com/office/powerpoint/2010/main" val="3212222270"/>
       </p:ext>
     </p:extLst>
   </p:cSld>

--- a/basic/docs/AutomationRecipes Bot Orchestration with IBM RPA and PAM.pptx
+++ b/basic/docs/AutomationRecipes Bot Orchestration with IBM RPA and PAM.pptx
@@ -205,7 +205,7 @@
           <a:p>
             <a:fld id="{E692155B-7F18-498C-9BFA-FBEF28EA456D}" type="datetimeFigureOut">
               <a:rPr lang="en-CA" smtClean="0"/>
-              <a:t>2022-10-11</a:t>
+              <a:t>2022-11-03</a:t>
             </a:fld>
             <a:endParaRPr lang="en-CA"/>
           </a:p>
@@ -622,7 +622,7 @@
           <a:p>
             <a:fld id="{BEA4FACC-574A-41DD-ACBD-E66D657D283B}" type="datetimeFigureOut">
               <a:rPr lang="en-CA" smtClean="0"/>
-              <a:t>2022-10-11</a:t>
+              <a:t>2022-11-03</a:t>
             </a:fld>
             <a:endParaRPr lang="en-CA"/>
           </a:p>
@@ -822,7 +822,7 @@
           <a:p>
             <a:fld id="{BEA4FACC-574A-41DD-ACBD-E66D657D283B}" type="datetimeFigureOut">
               <a:rPr lang="en-CA" smtClean="0"/>
-              <a:t>2022-10-11</a:t>
+              <a:t>2022-11-03</a:t>
             </a:fld>
             <a:endParaRPr lang="en-CA"/>
           </a:p>
@@ -1032,7 +1032,7 @@
           <a:p>
             <a:fld id="{BEA4FACC-574A-41DD-ACBD-E66D657D283B}" type="datetimeFigureOut">
               <a:rPr lang="en-CA" smtClean="0"/>
-              <a:t>2022-10-11</a:t>
+              <a:t>2022-11-03</a:t>
             </a:fld>
             <a:endParaRPr lang="en-CA"/>
           </a:p>
@@ -1232,7 +1232,7 @@
           <a:p>
             <a:fld id="{BEA4FACC-574A-41DD-ACBD-E66D657D283B}" type="datetimeFigureOut">
               <a:rPr lang="en-CA" smtClean="0"/>
-              <a:t>2022-10-11</a:t>
+              <a:t>2022-11-03</a:t>
             </a:fld>
             <a:endParaRPr lang="en-CA"/>
           </a:p>
@@ -1508,7 +1508,7 @@
           <a:p>
             <a:fld id="{BEA4FACC-574A-41DD-ACBD-E66D657D283B}" type="datetimeFigureOut">
               <a:rPr lang="en-CA" smtClean="0"/>
-              <a:t>2022-10-11</a:t>
+              <a:t>2022-11-03</a:t>
             </a:fld>
             <a:endParaRPr lang="en-CA"/>
           </a:p>
@@ -1776,7 +1776,7 @@
           <a:p>
             <a:fld id="{BEA4FACC-574A-41DD-ACBD-E66D657D283B}" type="datetimeFigureOut">
               <a:rPr lang="en-CA" smtClean="0"/>
-              <a:t>2022-10-11</a:t>
+              <a:t>2022-11-03</a:t>
             </a:fld>
             <a:endParaRPr lang="en-CA"/>
           </a:p>
@@ -2191,7 +2191,7 @@
           <a:p>
             <a:fld id="{BEA4FACC-574A-41DD-ACBD-E66D657D283B}" type="datetimeFigureOut">
               <a:rPr lang="en-CA" smtClean="0"/>
-              <a:t>2022-10-11</a:t>
+              <a:t>2022-11-03</a:t>
             </a:fld>
             <a:endParaRPr lang="en-CA"/>
           </a:p>
@@ -2333,7 +2333,7 @@
           <a:p>
             <a:fld id="{BEA4FACC-574A-41DD-ACBD-E66D657D283B}" type="datetimeFigureOut">
               <a:rPr lang="en-CA" smtClean="0"/>
-              <a:t>2022-10-11</a:t>
+              <a:t>2022-11-03</a:t>
             </a:fld>
             <a:endParaRPr lang="en-CA"/>
           </a:p>
@@ -2446,7 +2446,7 @@
           <a:p>
             <a:fld id="{BEA4FACC-574A-41DD-ACBD-E66D657D283B}" type="datetimeFigureOut">
               <a:rPr lang="en-CA" smtClean="0"/>
-              <a:t>2022-10-11</a:t>
+              <a:t>2022-11-03</a:t>
             </a:fld>
             <a:endParaRPr lang="en-CA"/>
           </a:p>
@@ -2759,7 +2759,7 @@
           <a:p>
             <a:fld id="{BEA4FACC-574A-41DD-ACBD-E66D657D283B}" type="datetimeFigureOut">
               <a:rPr lang="en-CA" smtClean="0"/>
-              <a:t>2022-10-11</a:t>
+              <a:t>2022-11-03</a:t>
             </a:fld>
             <a:endParaRPr lang="en-CA"/>
           </a:p>
@@ -3048,7 +3048,7 @@
           <a:p>
             <a:fld id="{BEA4FACC-574A-41DD-ACBD-E66D657D283B}" type="datetimeFigureOut">
               <a:rPr lang="en-CA" smtClean="0"/>
-              <a:t>2022-10-11</a:t>
+              <a:t>2022-11-03</a:t>
             </a:fld>
             <a:endParaRPr lang="en-CA"/>
           </a:p>
@@ -3291,7 +3291,7 @@
           <a:p>
             <a:fld id="{BEA4FACC-574A-41DD-ACBD-E66D657D283B}" type="datetimeFigureOut">
               <a:rPr lang="en-CA" smtClean="0"/>
-              <a:t>2022-10-11</a:t>
+              <a:t>2022-11-03</a:t>
             </a:fld>
             <a:endParaRPr lang="en-CA"/>
           </a:p>
@@ -4090,8 +4090,8 @@
           <a:p>
             <a:pPr algn="ctr"/>
             <a:r>
-              <a:rPr lang="en-GB" sz="2800"/>
-              <a:t>Problem Statement</a:t>
+              <a:rPr lang="en-GB" sz="2800" dirty="0"/>
+              <a:t>Problem</a:t>
             </a:r>
           </a:p>
         </p:txBody>
@@ -4565,81 +4565,6 @@
           </a:p>
         </p:txBody>
       </p:sp>
-      <p:pic>
-        <p:nvPicPr>
-          <p:cNvPr id="5" name="Picture 4">
-            <a:extLst>
-              <a:ext uri="{FF2B5EF4-FFF2-40B4-BE49-F238E27FC236}">
-                <a16:creationId xmlns:a16="http://schemas.microsoft.com/office/drawing/2014/main" id="{45173C04-DBC1-41C1-98C8-25407BDA9C66}"/>
-              </a:ext>
-            </a:extLst>
-          </p:cNvPr>
-          <p:cNvPicPr>
-            <a:picLocks noChangeAspect="1"/>
-          </p:cNvPicPr>
-          <p:nvPr/>
-        </p:nvPicPr>
-        <p:blipFill>
-          <a:blip r:embed="rId2"/>
-          <a:stretch>
-            <a:fillRect/>
-          </a:stretch>
-        </p:blipFill>
-        <p:spPr>
-          <a:xfrm>
-            <a:off x="4774563" y="281291"/>
-            <a:ext cx="4098225" cy="5410199"/>
-          </a:xfrm>
-          <a:prstGeom prst="rect">
-            <a:avLst/>
-          </a:prstGeom>
-          <a:effectLst>
-            <a:glow rad="228600">
-              <a:schemeClr val="accent2">
-                <a:satMod val="175000"/>
-                <a:alpha val="40000"/>
-              </a:schemeClr>
-            </a:glow>
-          </a:effectLst>
-        </p:spPr>
-      </p:pic>
-      <p:pic>
-        <p:nvPicPr>
-          <p:cNvPr id="7" name="Picture 6">
-            <a:extLst>
-              <a:ext uri="{FF2B5EF4-FFF2-40B4-BE49-F238E27FC236}">
-                <a16:creationId xmlns:a16="http://schemas.microsoft.com/office/drawing/2014/main" id="{470ACF84-0332-433D-AE5E-9ED07801A014}"/>
-              </a:ext>
-            </a:extLst>
-          </p:cNvPr>
-          <p:cNvPicPr>
-            <a:picLocks noChangeAspect="1"/>
-          </p:cNvPicPr>
-          <p:nvPr/>
-        </p:nvPicPr>
-        <p:blipFill>
-          <a:blip r:embed="rId3"/>
-          <a:stretch>
-            <a:fillRect/>
-          </a:stretch>
-        </p:blipFill>
-        <p:spPr>
-          <a:xfrm>
-            <a:off x="6252806" y="3643797"/>
-            <a:ext cx="5672138" cy="3076575"/>
-          </a:xfrm>
-          <a:prstGeom prst="rect">
-            <a:avLst/>
-          </a:prstGeom>
-          <a:effectLst>
-            <a:glow rad="228600">
-              <a:srgbClr val="FF0000">
-                <a:alpha val="40000"/>
-              </a:srgbClr>
-            </a:glow>
-          </a:effectLst>
-        </p:spPr>
-      </p:pic>
       <p:cxnSp>
         <p:nvCxnSpPr>
           <p:cNvPr id="20" name="Straight Arrow Connector 19">
@@ -4689,6 +4614,82 @@
           </a:fontRef>
         </p:style>
       </p:cxnSp>
+      <p:pic>
+        <p:nvPicPr>
+          <p:cNvPr id="10" name="Picture 9">
+            <a:extLst>
+              <a:ext uri="{FF2B5EF4-FFF2-40B4-BE49-F238E27FC236}">
+                <a16:creationId xmlns:a16="http://schemas.microsoft.com/office/drawing/2014/main" id="{941AE6E0-91A5-4536-87D9-41FFF3321E3B}"/>
+              </a:ext>
+            </a:extLst>
+          </p:cNvPr>
+          <p:cNvPicPr>
+            <a:picLocks noChangeAspect="1"/>
+          </p:cNvPicPr>
+          <p:nvPr/>
+        </p:nvPicPr>
+        <p:blipFill>
+          <a:blip r:embed="rId2"/>
+          <a:stretch>
+            <a:fillRect/>
+          </a:stretch>
+        </p:blipFill>
+        <p:spPr>
+          <a:xfrm>
+            <a:off x="4989582" y="0"/>
+            <a:ext cx="5811168" cy="3728075"/>
+          </a:xfrm>
+          <a:prstGeom prst="rect">
+            <a:avLst/>
+          </a:prstGeom>
+          <a:effectLst>
+            <a:glow rad="228600">
+              <a:schemeClr val="accent2">
+                <a:satMod val="175000"/>
+                <a:alpha val="40000"/>
+              </a:schemeClr>
+            </a:glow>
+          </a:effectLst>
+        </p:spPr>
+      </p:pic>
+      <p:pic>
+        <p:nvPicPr>
+          <p:cNvPr id="6" name="Picture 5">
+            <a:extLst>
+              <a:ext uri="{FF2B5EF4-FFF2-40B4-BE49-F238E27FC236}">
+                <a16:creationId xmlns:a16="http://schemas.microsoft.com/office/drawing/2014/main" id="{672DB89C-0746-4FC3-9214-CD4479AC952B}"/>
+              </a:ext>
+            </a:extLst>
+          </p:cNvPr>
+          <p:cNvPicPr>
+            <a:picLocks noChangeAspect="1"/>
+          </p:cNvPicPr>
+          <p:nvPr/>
+        </p:nvPicPr>
+        <p:blipFill>
+          <a:blip r:embed="rId3"/>
+          <a:stretch>
+            <a:fillRect/>
+          </a:stretch>
+        </p:blipFill>
+        <p:spPr>
+          <a:xfrm>
+            <a:off x="5390452" y="3518702"/>
+            <a:ext cx="6508276" cy="3339298"/>
+          </a:xfrm>
+          <a:prstGeom prst="rect">
+            <a:avLst/>
+          </a:prstGeom>
+          <a:effectLst>
+            <a:glow rad="228600">
+              <a:schemeClr val="accent5">
+                <a:satMod val="175000"/>
+                <a:alpha val="40000"/>
+              </a:schemeClr>
+            </a:glow>
+          </a:effectLst>
+        </p:spPr>
+      </p:pic>
     </p:spTree>
     <p:extLst>
       <p:ext uri="{BB962C8B-B14F-4D97-AF65-F5344CB8AC3E}">
@@ -5928,12 +5929,12 @@
           <a:lstStyle/>
           <a:p>
             <a:r>
-              <a:rPr lang="en-GB" sz="3600">
+              <a:rPr lang="en-GB" sz="3600" dirty="0">
                 <a:solidFill>
                   <a:srgbClr val="FFFFFF"/>
                 </a:solidFill>
               </a:rPr>
-              <a:t>Step 2 – Create a bot process</a:t>
+              <a:t>Step 2 – Expose the bot</a:t>
             </a:r>
           </a:p>
         </p:txBody>
@@ -5967,23 +5968,39 @@
           <a:lstStyle/>
           <a:p>
             <a:r>
-              <a:rPr lang="en-GB" sz="2400">
+              <a:rPr lang="en-GB" sz="2400" dirty="0">
                 <a:solidFill>
                   <a:srgbClr val="FEFFFF"/>
                 </a:solidFill>
               </a:rPr>
-              <a:t>Create a bot process with the RPA Control Center to enable the bot to  be exposed via a REST API</a:t>
-            </a:r>
-          </a:p>
-          <a:p>
-            <a:endParaRPr lang="en-GB" sz="2400">
+              <a:t>Create a bot process with the RPA Control </a:t>
+            </a:r>
+            <a:r>
+              <a:rPr lang="en-GB" sz="2400" dirty="0" err="1">
+                <a:solidFill>
+                  <a:srgbClr val="FEFFFF"/>
+                </a:solidFill>
+              </a:rPr>
+              <a:t>Center</a:t>
+            </a:r>
+            <a:r>
+              <a:rPr lang="en-GB" sz="2400" dirty="0">
+                <a:solidFill>
+                  <a:srgbClr val="FEFFFF"/>
+                </a:solidFill>
+              </a:rPr>
+              <a:t> to enable the bot to  be exposed via a REST API</a:t>
+            </a:r>
+          </a:p>
+          <a:p>
+            <a:endParaRPr lang="en-GB" sz="2400" dirty="0">
               <a:solidFill>
                 <a:srgbClr val="FEFFFF"/>
               </a:solidFill>
             </a:endParaRPr>
           </a:p>
           <a:p>
-            <a:endParaRPr lang="en-GB" sz="2400">
+            <a:endParaRPr lang="en-GB" sz="2400" dirty="0">
               <a:solidFill>
                 <a:srgbClr val="FEFFFF"/>
               </a:solidFill>
